--- a/slides/pptx/FormalProblemStatement.pptx
+++ b/slides/pptx/FormalProblemStatement.pptx
@@ -9,7 +9,7 @@
     <p:sldId id="257" r:id="rId9"/>
     <p:sldId id="258" r:id="rId10"/>
   </p:sldIdLst>
-  <p:sldSz cx="18288000" cy="10287000" type="screen4x3"/>
+  <p:sldSz cx="8134350" cy="4572000" type="screen4x3"/>
   <p:notesSz cx="6858000" cy="9144000"/>
   <p:defaultTextStyle>
     <a:defPPr>
@@ -3640,7 +3640,7 @@
       <p:grpSpPr/>
       <p:pic>
         <p:nvPicPr>
-          <p:cNvPr id="2" name="450974505_354005446_3560319905.mp4">
+          <p:cNvPr id="2" name="3163782288_2468753465_2972839618.mp4">
             <a:hlinkClick r:id="" action="ppaction://media"/>
           </p:cNvPr>
           <p:cNvPicPr>
@@ -3664,7 +3664,7 @@
         <p:spPr>
           <a:xfrm>
             <a:off x="0" y="0"/>
-            <a:ext cx="18288000" cy="10287000"/>
+            <a:ext cx="8134350" cy="4572000"/>
           </a:xfrm>
           <a:prstGeom prst="rect">
             <a:avLst/>
@@ -3807,7 +3807,7 @@
       <p:grpSpPr/>
       <p:pic>
         <p:nvPicPr>
-          <p:cNvPr id="2" name="34786186_2859356357_3862974787.mp4">
+          <p:cNvPr id="2" name="2201830969_2859356357_2841986837.mp4">
             <a:hlinkClick r:id="" action="ppaction://media"/>
           </p:cNvPr>
           <p:cNvPicPr>
@@ -3831,7 +3831,7 @@
         <p:spPr>
           <a:xfrm>
             <a:off x="0" y="0"/>
-            <a:ext cx="18288000" cy="10287000"/>
+            <a:ext cx="8134350" cy="4572000"/>
           </a:xfrm>
           <a:prstGeom prst="rect">
             <a:avLst/>
@@ -3840,7 +3840,7 @@
       </p:pic>
       <p:pic>
         <p:nvPicPr>
-          <p:cNvPr id="3" name="34786186_3282854219_3756358965.mp4">
+          <p:cNvPr id="3" name="2201830969_3284676238_2573613797.mp4">
             <a:hlinkClick r:id="" action="ppaction://media"/>
           </p:cNvPr>
           <p:cNvPicPr>
@@ -3864,7 +3864,7 @@
         <p:spPr>
           <a:xfrm>
             <a:off x="0" y="0"/>
-            <a:ext cx="18288000" cy="10287000"/>
+            <a:ext cx="8134350" cy="4572000"/>
           </a:xfrm>
           <a:prstGeom prst="rect">
             <a:avLst/>
@@ -3873,7 +3873,7 @@
       </p:pic>
       <p:pic>
         <p:nvPicPr>
-          <p:cNvPr id="4" name="34786186_976108854_339441068.mp4">
+          <p:cNvPr id="4" name="2201830969_144238772_2470201775.mp4">
             <a:hlinkClick r:id="" action="ppaction://media"/>
           </p:cNvPr>
           <p:cNvPicPr>
@@ -3897,7 +3897,7 @@
         <p:spPr>
           <a:xfrm>
             <a:off x="0" y="0"/>
-            <a:ext cx="18288000" cy="10287000"/>
+            <a:ext cx="8134350" cy="4572000"/>
           </a:xfrm>
           <a:prstGeom prst="rect">
             <a:avLst/>
@@ -4284,7 +4284,7 @@
       <p:grpSpPr/>
       <p:pic>
         <p:nvPicPr>
-          <p:cNvPr id="2" name="34786186_699533520_1864624789.mp4">
+          <p:cNvPr id="2" name="2201830969_2783940261_1618268857.mp4">
             <a:hlinkClick r:id="" action="ppaction://media"/>
           </p:cNvPr>
           <p:cNvPicPr>
@@ -4308,40 +4308,7 @@
         <p:spPr>
           <a:xfrm>
             <a:off x="0" y="0"/>
-            <a:ext cx="18288000" cy="10287000"/>
-          </a:xfrm>
-          <a:prstGeom prst="rect">
-            <a:avLst/>
-          </a:prstGeom>
-        </p:spPr>
-      </p:pic>
-      <p:pic>
-        <p:nvPicPr>
-          <p:cNvPr id="3" name="34786186_3573561430_3359872645.mp4">
-            <a:hlinkClick r:id="" action="ppaction://media"/>
-          </p:cNvPr>
-          <p:cNvPicPr>
-            <a:picLocks noChangeAspect="1"/>
-          </p:cNvPicPr>
-          <p:nvPr>
-            <a:videoFile r:link="rId7"/>
-            <p:extLst>
-              <p:ext uri="{DAA4B4D4-6D71-4841-9C94-3DE7FCFB9230}">
-                <p14:media xmlns:p14="http://schemas.microsoft.com/office/powerpoint/2010/main" r:embed="rId6"/>
-              </p:ext>
-            </p:extLst>
-          </p:nvPr>
-        </p:nvPicPr>
-        <p:blipFill>
-          <a:blip r:embed="rId8"/>
-          <a:stretch>
-            <a:fillRect/>
-          </a:stretch>
-        </p:blipFill>
-        <p:spPr>
-          <a:xfrm>
-            <a:off x="0" y="0"/>
-            <a:ext cx="18288000" cy="10287000"/>
+            <a:ext cx="8134350" cy="4572000"/>
           </a:xfrm>
           <a:prstGeom prst="rect">
             <a:avLst/>
@@ -4432,116 +4399,6 @@
                             </p:childTnLst>
                           </p:cTn>
                         </p:par>
-                        <p:par>
-                          <p:cTn id="10" fill="hold">
-                            <p:stCondLst>
-                              <p:cond delay="1000"/>
-                            </p:stCondLst>
-                            <p:childTnLst>
-                              <p:par>
-                                <p:cTn id="11" presetID="1" presetClass="exit" presetSubtype="0" fill="hold" nodeType="afterEffect">
-                                  <p:stCondLst>
-                                    <p:cond delay="0"/>
-                                  </p:stCondLst>
-                                  <p:childTnLst>
-                                    <p:set>
-                                      <p:cBhvr>
-                                        <p:cTn id="12" dur="1" fill="hold">
-                                          <p:stCondLst>
-                                            <p:cond delay="0"/>
-                                          </p:stCondLst>
-                                        </p:cTn>
-                                        <p:tgtEl>
-                                          <p:spTgt spid="2"/>
-                                        </p:tgtEl>
-                                        <p:attrNameLst>
-                                          <p:attrName>style.visibility</p:attrName>
-                                        </p:attrNameLst>
-                                      </p:cBhvr>
-                                      <p:to>
-                                        <p:strVal val="hidden"/>
-                                      </p:to>
-                                    </p:set>
-                                    <p:cmd type="call" cmd="stop">
-                                      <p:cBhvr>
-                                        <p:cTn id="13" dur="1" fill="hold">
-                                          <p:stCondLst>
-                                            <p:cond delay="0"/>
-                                          </p:stCondLst>
-                                        </p:cTn>
-                                        <p:tgtEl>
-                                          <p:spTgt spid="2"/>
-                                        </p:tgtEl>
-                                      </p:cBhvr>
-                                    </p:cmd>
-                                  </p:childTnLst>
-                                </p:cTn>
-                              </p:par>
-                            </p:childTnLst>
-                          </p:cTn>
-                        </p:par>
-                        <p:par>
-                          <p:cTn id="14" fill="hold">
-                            <p:stCondLst>
-                              <p:cond delay="1000"/>
-                            </p:stCondLst>
-                            <p:childTnLst>
-                              <p:par>
-                                <p:cTn id="15" presetID="1" presetClass="entr" presetSubtype="0" fill="hold" nodeType="afterEffect">
-                                  <p:stCondLst>
-                                    <p:cond delay="0"/>
-                                  </p:stCondLst>
-                                  <p:childTnLst>
-                                    <p:set>
-                                      <p:cBhvr>
-                                        <p:cTn id="16" dur="1" fill="hold">
-                                          <p:stCondLst>
-                                            <p:cond delay="0"/>
-                                          </p:stCondLst>
-                                        </p:cTn>
-                                        <p:tgtEl>
-                                          <p:spTgt spid="3"/>
-                                        </p:tgtEl>
-                                        <p:attrNameLst>
-                                          <p:attrName>style.visibility</p:attrName>
-                                        </p:attrNameLst>
-                                      </p:cBhvr>
-                                      <p:to>
-                                        <p:strVal val="visible"/>
-                                      </p:to>
-                                    </p:set>
-                                  </p:childTnLst>
-                                </p:cTn>
-                              </p:par>
-                            </p:childTnLst>
-                          </p:cTn>
-                        </p:par>
-                        <p:par>
-                          <p:cTn id="17" fill="hold">
-                            <p:stCondLst>
-                              <p:cond delay="1000"/>
-                            </p:stCondLst>
-                            <p:childTnLst>
-                              <p:par>
-                                <p:cTn id="18" presetID="1" presetClass="mediacall" presetSubtype="0" fill="hold" nodeType="afterEffect">
-                                  <p:stCondLst>
-                                    <p:cond delay="0"/>
-                                  </p:stCondLst>
-                                  <p:childTnLst>
-                                    <p:cmd type="call" cmd="playFrom(0.0)">
-                                      <p:cBhvr>
-                                        <p:cTn id="19" dur="1000" fill="hold"/>
-                                        <p:tgtEl>
-                                          <p:spTgt spid="3"/>
-                                        </p:tgtEl>
-                                      </p:cBhvr>
-                                    </p:cmd>
-                                  </p:childTnLst>
-                                </p:cTn>
-                              </p:par>
-                            </p:childTnLst>
-                          </p:cTn>
-                        </p:par>
                       </p:childTnLst>
                     </p:cTn>
                   </p:par>
@@ -4564,25 +4421,13 @@
             </p:seq>
             <p:video>
               <p:cMediaNode vol="80000">
-                <p:cTn id="20" fill="hold" display="0">
+                <p:cTn id="10" fill="hold" display="0">
                   <p:stCondLst>
                     <p:cond delay="indefinite"/>
                   </p:stCondLst>
                 </p:cTn>
                 <p:tgtEl>
                   <p:spTgt spid="2"/>
-                </p:tgtEl>
-              </p:cMediaNode>
-            </p:video>
-            <p:video>
-              <p:cMediaNode vol="80000">
-                <p:cTn id="21" fill="hold" display="0">
-                  <p:stCondLst>
-                    <p:cond delay="indefinite"/>
-                  </p:stCondLst>
-                </p:cTn>
-                <p:tgtEl>
-                  <p:spTgt spid="3"/>
                 </p:tgtEl>
               </p:cMediaNode>
             </p:video>
